--- a/regression/과제1_20210853_이민희.pptx
+++ b/regression/과제1_20210853_이민희.pptx
@@ -274,7 +274,7 @@
           <a:p>
             <a:fld id="{818CFD56-8B56-49AA-A13D-C2DB0F4CA008}" type="datetimeFigureOut">
               <a:rPr lang="ko-KR" altLang="en-US" smtClean="0"/>
-              <a:t>2022-10-04</a:t>
+              <a:t>2022-12-27</a:t>
             </a:fld>
             <a:endParaRPr lang="ko-KR" altLang="en-US"/>
           </a:p>
@@ -472,7 +472,7 @@
           <a:p>
             <a:fld id="{818CFD56-8B56-49AA-A13D-C2DB0F4CA008}" type="datetimeFigureOut">
               <a:rPr lang="ko-KR" altLang="en-US" smtClean="0"/>
-              <a:t>2022-10-04</a:t>
+              <a:t>2022-12-27</a:t>
             </a:fld>
             <a:endParaRPr lang="ko-KR" altLang="en-US"/>
           </a:p>
@@ -680,7 +680,7 @@
           <a:p>
             <a:fld id="{818CFD56-8B56-49AA-A13D-C2DB0F4CA008}" type="datetimeFigureOut">
               <a:rPr lang="ko-KR" altLang="en-US" smtClean="0"/>
-              <a:t>2022-10-04</a:t>
+              <a:t>2022-12-27</a:t>
             </a:fld>
             <a:endParaRPr lang="ko-KR" altLang="en-US"/>
           </a:p>
@@ -878,7 +878,7 @@
           <a:p>
             <a:fld id="{818CFD56-8B56-49AA-A13D-C2DB0F4CA008}" type="datetimeFigureOut">
               <a:rPr lang="ko-KR" altLang="en-US" smtClean="0"/>
-              <a:t>2022-10-04</a:t>
+              <a:t>2022-12-27</a:t>
             </a:fld>
             <a:endParaRPr lang="ko-KR" altLang="en-US"/>
           </a:p>
@@ -1153,7 +1153,7 @@
           <a:p>
             <a:fld id="{818CFD56-8B56-49AA-A13D-C2DB0F4CA008}" type="datetimeFigureOut">
               <a:rPr lang="ko-KR" altLang="en-US" smtClean="0"/>
-              <a:t>2022-10-04</a:t>
+              <a:t>2022-12-27</a:t>
             </a:fld>
             <a:endParaRPr lang="ko-KR" altLang="en-US"/>
           </a:p>
@@ -1418,7 +1418,7 @@
           <a:p>
             <a:fld id="{818CFD56-8B56-49AA-A13D-C2DB0F4CA008}" type="datetimeFigureOut">
               <a:rPr lang="ko-KR" altLang="en-US" smtClean="0"/>
-              <a:t>2022-10-04</a:t>
+              <a:t>2022-12-27</a:t>
             </a:fld>
             <a:endParaRPr lang="ko-KR" altLang="en-US"/>
           </a:p>
@@ -1830,7 +1830,7 @@
           <a:p>
             <a:fld id="{818CFD56-8B56-49AA-A13D-C2DB0F4CA008}" type="datetimeFigureOut">
               <a:rPr lang="ko-KR" altLang="en-US" smtClean="0"/>
-              <a:t>2022-10-04</a:t>
+              <a:t>2022-12-27</a:t>
             </a:fld>
             <a:endParaRPr lang="ko-KR" altLang="en-US"/>
           </a:p>
@@ -1971,7 +1971,7 @@
           <a:p>
             <a:fld id="{818CFD56-8B56-49AA-A13D-C2DB0F4CA008}" type="datetimeFigureOut">
               <a:rPr lang="ko-KR" altLang="en-US" smtClean="0"/>
-              <a:t>2022-10-04</a:t>
+              <a:t>2022-12-27</a:t>
             </a:fld>
             <a:endParaRPr lang="ko-KR" altLang="en-US"/>
           </a:p>
@@ -2084,7 +2084,7 @@
           <a:p>
             <a:fld id="{818CFD56-8B56-49AA-A13D-C2DB0F4CA008}" type="datetimeFigureOut">
               <a:rPr lang="ko-KR" altLang="en-US" smtClean="0"/>
-              <a:t>2022-10-04</a:t>
+              <a:t>2022-12-27</a:t>
             </a:fld>
             <a:endParaRPr lang="ko-KR" altLang="en-US"/>
           </a:p>
@@ -2395,7 +2395,7 @@
           <a:p>
             <a:fld id="{818CFD56-8B56-49AA-A13D-C2DB0F4CA008}" type="datetimeFigureOut">
               <a:rPr lang="ko-KR" altLang="en-US" smtClean="0"/>
-              <a:t>2022-10-04</a:t>
+              <a:t>2022-12-27</a:t>
             </a:fld>
             <a:endParaRPr lang="ko-KR" altLang="en-US"/>
           </a:p>
@@ -2683,7 +2683,7 @@
           <a:p>
             <a:fld id="{818CFD56-8B56-49AA-A13D-C2DB0F4CA008}" type="datetimeFigureOut">
               <a:rPr lang="ko-KR" altLang="en-US" smtClean="0"/>
-              <a:t>2022-10-04</a:t>
+              <a:t>2022-12-27</a:t>
             </a:fld>
             <a:endParaRPr lang="ko-KR" altLang="en-US"/>
           </a:p>
@@ -2924,7 +2924,7 @@
           <a:p>
             <a:fld id="{818CFD56-8B56-49AA-A13D-C2DB0F4CA008}" type="datetimeFigureOut">
               <a:rPr lang="ko-KR" altLang="en-US" smtClean="0"/>
-              <a:t>2022-10-04</a:t>
+              <a:t>2022-12-27</a:t>
             </a:fld>
             <a:endParaRPr lang="ko-KR" altLang="en-US"/>
           </a:p>
